--- a/ppt 16-9/0416.在普世传福音的.pptx
+++ b/ppt 16-9/0416.在普世传福音的.pptx
@@ -5,7 +5,7 @@
     <p:sldMasterId id="2147483648" r:id="rId1"/>
   </p:sldMasterIdLst>
   <p:sldIdLst>
-    <p:sldId id="2893" r:id="rId2"/>
+    <p:sldId id="2894" r:id="rId2"/>
   </p:sldIdLst>
   <p:sldSz cx="12192000" cy="6858000"/>
   <p:notesSz cx="6858000" cy="9144000"/>
@@ -129,7 +129,7 @@
           <p:cNvPr id="2" name="标题 1">
             <a:extLst>
               <a:ext uri="{FF2B5EF4-FFF2-40B4-BE49-F238E27FC236}">
-                <a16:creationId xmlns:a16="http://schemas.microsoft.com/office/drawing/2014/main" id="{5118B83C-CC27-D5CF-855A-2EEC4AB76D25}"/>
+                <a16:creationId xmlns:a16="http://schemas.microsoft.com/office/drawing/2014/main" id="{75D63038-8E47-4F83-AC0E-EDD4CF3BE5D8}"/>
               </a:ext>
             </a:extLst>
           </p:cNvPr>
@@ -166,7 +166,7 @@
           <p:cNvPr id="3" name="副标题 2">
             <a:extLst>
               <a:ext uri="{FF2B5EF4-FFF2-40B4-BE49-F238E27FC236}">
-                <a16:creationId xmlns:a16="http://schemas.microsoft.com/office/drawing/2014/main" id="{E385ADE1-684E-DA09-F5E7-AD93D78F154B}"/>
+                <a16:creationId xmlns:a16="http://schemas.microsoft.com/office/drawing/2014/main" id="{5BF42205-D896-E78D-622C-940260991FB1}"/>
               </a:ext>
             </a:extLst>
           </p:cNvPr>
@@ -236,7 +236,7 @@
           <p:cNvPr id="4" name="日期占位符 3">
             <a:extLst>
               <a:ext uri="{FF2B5EF4-FFF2-40B4-BE49-F238E27FC236}">
-                <a16:creationId xmlns:a16="http://schemas.microsoft.com/office/drawing/2014/main" id="{DF919AED-1847-B7B2-85B0-5AB49F1AD02A}"/>
+                <a16:creationId xmlns:a16="http://schemas.microsoft.com/office/drawing/2014/main" id="{6AE41AC4-910C-165B-0C68-377C4B089ADC}"/>
               </a:ext>
             </a:extLst>
           </p:cNvPr>
@@ -252,7 +252,7 @@
           <a:bodyPr/>
           <a:lstStyle/>
           <a:p>
-            <a:fld id="{A15FC5C5-2069-4726-8294-0C7F9F6E34C1}" type="datetimeFigureOut">
+            <a:fld id="{17F7F544-B2F9-454D-9F91-4138380B2364}" type="datetimeFigureOut">
               <a:rPr lang="zh-CN" altLang="en-US" smtClean="0"/>
               <a:t>2024/3/10</a:t>
             </a:fld>
@@ -265,7 +265,7 @@
           <p:cNvPr id="5" name="页脚占位符 4">
             <a:extLst>
               <a:ext uri="{FF2B5EF4-FFF2-40B4-BE49-F238E27FC236}">
-                <a16:creationId xmlns:a16="http://schemas.microsoft.com/office/drawing/2014/main" id="{EA098EEA-AB1A-86B6-C662-19062F4E982F}"/>
+                <a16:creationId xmlns:a16="http://schemas.microsoft.com/office/drawing/2014/main" id="{6EDA173C-9B24-014D-9A63-E158AA268846}"/>
               </a:ext>
             </a:extLst>
           </p:cNvPr>
@@ -290,7 +290,7 @@
           <p:cNvPr id="6" name="灯片编号占位符 5">
             <a:extLst>
               <a:ext uri="{FF2B5EF4-FFF2-40B4-BE49-F238E27FC236}">
-                <a16:creationId xmlns:a16="http://schemas.microsoft.com/office/drawing/2014/main" id="{FB3C25E7-7599-E79A-6F27-5146F73DEE72}"/>
+                <a16:creationId xmlns:a16="http://schemas.microsoft.com/office/drawing/2014/main" id="{93BF465E-F97A-E685-85DB-15CDA9386BB4}"/>
               </a:ext>
             </a:extLst>
           </p:cNvPr>
@@ -306,7 +306,7 @@
           <a:bodyPr/>
           <a:lstStyle/>
           <a:p>
-            <a:fld id="{65039062-9C08-4313-B9C2-8D4A10B50DF6}" type="slidenum">
+            <a:fld id="{17470AF1-49C2-404E-8614-7E1D2A2AE10C}" type="slidenum">
               <a:rPr lang="zh-CN" altLang="en-US" smtClean="0"/>
               <a:t>‹#›</a:t>
             </a:fld>
@@ -317,7 +317,7 @@
     </p:spTree>
     <p:extLst>
       <p:ext uri="{BB962C8B-B14F-4D97-AF65-F5344CB8AC3E}">
-        <p14:creationId xmlns:p14="http://schemas.microsoft.com/office/powerpoint/2010/main" val="2081914593"/>
+        <p14:creationId xmlns:p14="http://schemas.microsoft.com/office/powerpoint/2010/main" val="1452984762"/>
       </p:ext>
     </p:extLst>
   </p:cSld>
@@ -349,7 +349,7 @@
           <p:cNvPr id="2" name="标题 1">
             <a:extLst>
               <a:ext uri="{FF2B5EF4-FFF2-40B4-BE49-F238E27FC236}">
-                <a16:creationId xmlns:a16="http://schemas.microsoft.com/office/drawing/2014/main" id="{A36B8E67-A925-7310-D809-4CC80D22050B}"/>
+                <a16:creationId xmlns:a16="http://schemas.microsoft.com/office/drawing/2014/main" id="{346C349B-579F-78F0-F068-085909A84EA5}"/>
               </a:ext>
             </a:extLst>
           </p:cNvPr>
@@ -377,7 +377,7 @@
           <p:cNvPr id="3" name="竖排文字占位符 2">
             <a:extLst>
               <a:ext uri="{FF2B5EF4-FFF2-40B4-BE49-F238E27FC236}">
-                <a16:creationId xmlns:a16="http://schemas.microsoft.com/office/drawing/2014/main" id="{580441A4-CB5D-CF09-49AE-88A3FCCA7FE1}"/>
+                <a16:creationId xmlns:a16="http://schemas.microsoft.com/office/drawing/2014/main" id="{AE42AF83-D339-7BE7-36EB-C94DB25C38F0}"/>
               </a:ext>
             </a:extLst>
           </p:cNvPr>
@@ -434,7 +434,7 @@
           <p:cNvPr id="4" name="日期占位符 3">
             <a:extLst>
               <a:ext uri="{FF2B5EF4-FFF2-40B4-BE49-F238E27FC236}">
-                <a16:creationId xmlns:a16="http://schemas.microsoft.com/office/drawing/2014/main" id="{E0D7FBBF-355B-A01B-FE8B-903A76CE4E77}"/>
+                <a16:creationId xmlns:a16="http://schemas.microsoft.com/office/drawing/2014/main" id="{106AF52C-7FA1-AF6E-A341-741FAA432793}"/>
               </a:ext>
             </a:extLst>
           </p:cNvPr>
@@ -450,7 +450,7 @@
           <a:bodyPr/>
           <a:lstStyle/>
           <a:p>
-            <a:fld id="{A15FC5C5-2069-4726-8294-0C7F9F6E34C1}" type="datetimeFigureOut">
+            <a:fld id="{17F7F544-B2F9-454D-9F91-4138380B2364}" type="datetimeFigureOut">
               <a:rPr lang="zh-CN" altLang="en-US" smtClean="0"/>
               <a:t>2024/3/10</a:t>
             </a:fld>
@@ -463,7 +463,7 @@
           <p:cNvPr id="5" name="页脚占位符 4">
             <a:extLst>
               <a:ext uri="{FF2B5EF4-FFF2-40B4-BE49-F238E27FC236}">
-                <a16:creationId xmlns:a16="http://schemas.microsoft.com/office/drawing/2014/main" id="{CFC51ECA-9A20-8FC3-6FE8-D85EBB7F89BA}"/>
+                <a16:creationId xmlns:a16="http://schemas.microsoft.com/office/drawing/2014/main" id="{3BEB6BF3-D12C-9B23-4B1D-DD7D55AC0B17}"/>
               </a:ext>
             </a:extLst>
           </p:cNvPr>
@@ -488,7 +488,7 @@
           <p:cNvPr id="6" name="灯片编号占位符 5">
             <a:extLst>
               <a:ext uri="{FF2B5EF4-FFF2-40B4-BE49-F238E27FC236}">
-                <a16:creationId xmlns:a16="http://schemas.microsoft.com/office/drawing/2014/main" id="{009FD4DF-6D2B-49D6-E837-365B1ABD7916}"/>
+                <a16:creationId xmlns:a16="http://schemas.microsoft.com/office/drawing/2014/main" id="{023F646F-1FB8-F1C7-6B73-9B8FEDF68B32}"/>
               </a:ext>
             </a:extLst>
           </p:cNvPr>
@@ -504,7 +504,7 @@
           <a:bodyPr/>
           <a:lstStyle/>
           <a:p>
-            <a:fld id="{65039062-9C08-4313-B9C2-8D4A10B50DF6}" type="slidenum">
+            <a:fld id="{17470AF1-49C2-404E-8614-7E1D2A2AE10C}" type="slidenum">
               <a:rPr lang="zh-CN" altLang="en-US" smtClean="0"/>
               <a:t>‹#›</a:t>
             </a:fld>
@@ -515,7 +515,7 @@
     </p:spTree>
     <p:extLst>
       <p:ext uri="{BB962C8B-B14F-4D97-AF65-F5344CB8AC3E}">
-        <p14:creationId xmlns:p14="http://schemas.microsoft.com/office/powerpoint/2010/main" val="2476278201"/>
+        <p14:creationId xmlns:p14="http://schemas.microsoft.com/office/powerpoint/2010/main" val="1945244371"/>
       </p:ext>
     </p:extLst>
   </p:cSld>
@@ -547,7 +547,7 @@
           <p:cNvPr id="2" name="竖排标题 1">
             <a:extLst>
               <a:ext uri="{FF2B5EF4-FFF2-40B4-BE49-F238E27FC236}">
-                <a16:creationId xmlns:a16="http://schemas.microsoft.com/office/drawing/2014/main" id="{01F1E4B1-AE29-BE81-4E11-9C9ACBFBF0E8}"/>
+                <a16:creationId xmlns:a16="http://schemas.microsoft.com/office/drawing/2014/main" id="{07A1D3B3-1227-123C-533D-89952CBCE6B7}"/>
               </a:ext>
             </a:extLst>
           </p:cNvPr>
@@ -580,7 +580,7 @@
           <p:cNvPr id="3" name="竖排文字占位符 2">
             <a:extLst>
               <a:ext uri="{FF2B5EF4-FFF2-40B4-BE49-F238E27FC236}">
-                <a16:creationId xmlns:a16="http://schemas.microsoft.com/office/drawing/2014/main" id="{EEB25A61-CB43-CF97-5FE4-601AC328BDAC}"/>
+                <a16:creationId xmlns:a16="http://schemas.microsoft.com/office/drawing/2014/main" id="{591E358C-E16E-35B3-05AE-C9AABEDC71B9}"/>
               </a:ext>
             </a:extLst>
           </p:cNvPr>
@@ -642,7 +642,7 @@
           <p:cNvPr id="4" name="日期占位符 3">
             <a:extLst>
               <a:ext uri="{FF2B5EF4-FFF2-40B4-BE49-F238E27FC236}">
-                <a16:creationId xmlns:a16="http://schemas.microsoft.com/office/drawing/2014/main" id="{C7F4B372-7B7C-BB8C-831D-E4AD37D9458C}"/>
+                <a16:creationId xmlns:a16="http://schemas.microsoft.com/office/drawing/2014/main" id="{6D6EA904-42E9-CEAF-9CBF-46977C003BC5}"/>
               </a:ext>
             </a:extLst>
           </p:cNvPr>
@@ -658,7 +658,7 @@
           <a:bodyPr/>
           <a:lstStyle/>
           <a:p>
-            <a:fld id="{A15FC5C5-2069-4726-8294-0C7F9F6E34C1}" type="datetimeFigureOut">
+            <a:fld id="{17F7F544-B2F9-454D-9F91-4138380B2364}" type="datetimeFigureOut">
               <a:rPr lang="zh-CN" altLang="en-US" smtClean="0"/>
               <a:t>2024/3/10</a:t>
             </a:fld>
@@ -671,7 +671,7 @@
           <p:cNvPr id="5" name="页脚占位符 4">
             <a:extLst>
               <a:ext uri="{FF2B5EF4-FFF2-40B4-BE49-F238E27FC236}">
-                <a16:creationId xmlns:a16="http://schemas.microsoft.com/office/drawing/2014/main" id="{2E5A9A50-062B-1B3D-A250-FF0EF4288024}"/>
+                <a16:creationId xmlns:a16="http://schemas.microsoft.com/office/drawing/2014/main" id="{0A9A8504-220C-DF27-66AD-6B107100006C}"/>
               </a:ext>
             </a:extLst>
           </p:cNvPr>
@@ -696,7 +696,7 @@
           <p:cNvPr id="6" name="灯片编号占位符 5">
             <a:extLst>
               <a:ext uri="{FF2B5EF4-FFF2-40B4-BE49-F238E27FC236}">
-                <a16:creationId xmlns:a16="http://schemas.microsoft.com/office/drawing/2014/main" id="{5C024D49-D07B-8D6C-474A-FC79B4D86866}"/>
+                <a16:creationId xmlns:a16="http://schemas.microsoft.com/office/drawing/2014/main" id="{DF368776-723F-D954-26BD-038D97E18466}"/>
               </a:ext>
             </a:extLst>
           </p:cNvPr>
@@ -712,7 +712,7 @@
           <a:bodyPr/>
           <a:lstStyle/>
           <a:p>
-            <a:fld id="{65039062-9C08-4313-B9C2-8D4A10B50DF6}" type="slidenum">
+            <a:fld id="{17470AF1-49C2-404E-8614-7E1D2A2AE10C}" type="slidenum">
               <a:rPr lang="zh-CN" altLang="en-US" smtClean="0"/>
               <a:t>‹#›</a:t>
             </a:fld>
@@ -723,7 +723,7 @@
     </p:spTree>
     <p:extLst>
       <p:ext uri="{BB962C8B-B14F-4D97-AF65-F5344CB8AC3E}">
-        <p14:creationId xmlns:p14="http://schemas.microsoft.com/office/powerpoint/2010/main" val="3113091647"/>
+        <p14:creationId xmlns:p14="http://schemas.microsoft.com/office/powerpoint/2010/main" val="3379678784"/>
       </p:ext>
     </p:extLst>
   </p:cSld>
@@ -755,7 +755,7 @@
           <p:cNvPr id="2" name="标题 1">
             <a:extLst>
               <a:ext uri="{FF2B5EF4-FFF2-40B4-BE49-F238E27FC236}">
-                <a16:creationId xmlns:a16="http://schemas.microsoft.com/office/drawing/2014/main" id="{BEF8138E-EF72-7DBE-4DF3-9E0F42203008}"/>
+                <a16:creationId xmlns:a16="http://schemas.microsoft.com/office/drawing/2014/main" id="{A5DDDC0C-1B1E-D8FB-F43D-10843CC012F3}"/>
               </a:ext>
             </a:extLst>
           </p:cNvPr>
@@ -783,7 +783,7 @@
           <p:cNvPr id="3" name="内容占位符 2">
             <a:extLst>
               <a:ext uri="{FF2B5EF4-FFF2-40B4-BE49-F238E27FC236}">
-                <a16:creationId xmlns:a16="http://schemas.microsoft.com/office/drawing/2014/main" id="{2E7ACDA8-7140-AA2C-06DE-F17816530B1C}"/>
+                <a16:creationId xmlns:a16="http://schemas.microsoft.com/office/drawing/2014/main" id="{16887BF6-7215-CEAA-32DF-F820B090EE75}"/>
               </a:ext>
             </a:extLst>
           </p:cNvPr>
@@ -840,7 +840,7 @@
           <p:cNvPr id="4" name="日期占位符 3">
             <a:extLst>
               <a:ext uri="{FF2B5EF4-FFF2-40B4-BE49-F238E27FC236}">
-                <a16:creationId xmlns:a16="http://schemas.microsoft.com/office/drawing/2014/main" id="{A32D296C-4756-A823-3851-E8F1D58A3D8C}"/>
+                <a16:creationId xmlns:a16="http://schemas.microsoft.com/office/drawing/2014/main" id="{A8DC49D2-C80D-71D8-4332-2213A8A52FBA}"/>
               </a:ext>
             </a:extLst>
           </p:cNvPr>
@@ -856,7 +856,7 @@
           <a:bodyPr/>
           <a:lstStyle/>
           <a:p>
-            <a:fld id="{A15FC5C5-2069-4726-8294-0C7F9F6E34C1}" type="datetimeFigureOut">
+            <a:fld id="{17F7F544-B2F9-454D-9F91-4138380B2364}" type="datetimeFigureOut">
               <a:rPr lang="zh-CN" altLang="en-US" smtClean="0"/>
               <a:t>2024/3/10</a:t>
             </a:fld>
@@ -869,7 +869,7 @@
           <p:cNvPr id="5" name="页脚占位符 4">
             <a:extLst>
               <a:ext uri="{FF2B5EF4-FFF2-40B4-BE49-F238E27FC236}">
-                <a16:creationId xmlns:a16="http://schemas.microsoft.com/office/drawing/2014/main" id="{177D1892-F029-A4FC-786E-ADE32F58052F}"/>
+                <a16:creationId xmlns:a16="http://schemas.microsoft.com/office/drawing/2014/main" id="{4FB85FAC-FD6E-F2AB-967C-1A7972A788D3}"/>
               </a:ext>
             </a:extLst>
           </p:cNvPr>
@@ -894,7 +894,7 @@
           <p:cNvPr id="6" name="灯片编号占位符 5">
             <a:extLst>
               <a:ext uri="{FF2B5EF4-FFF2-40B4-BE49-F238E27FC236}">
-                <a16:creationId xmlns:a16="http://schemas.microsoft.com/office/drawing/2014/main" id="{D89E9D62-D15F-E6BD-BF55-10E4D9C829A1}"/>
+                <a16:creationId xmlns:a16="http://schemas.microsoft.com/office/drawing/2014/main" id="{5B5E8B89-C06C-2E88-BF4A-D8477B0FA8EF}"/>
               </a:ext>
             </a:extLst>
           </p:cNvPr>
@@ -910,7 +910,7 @@
           <a:bodyPr/>
           <a:lstStyle/>
           <a:p>
-            <a:fld id="{65039062-9C08-4313-B9C2-8D4A10B50DF6}" type="slidenum">
+            <a:fld id="{17470AF1-49C2-404E-8614-7E1D2A2AE10C}" type="slidenum">
               <a:rPr lang="zh-CN" altLang="en-US" smtClean="0"/>
               <a:t>‹#›</a:t>
             </a:fld>
@@ -921,7 +921,7 @@
     </p:spTree>
     <p:extLst>
       <p:ext uri="{BB962C8B-B14F-4D97-AF65-F5344CB8AC3E}">
-        <p14:creationId xmlns:p14="http://schemas.microsoft.com/office/powerpoint/2010/main" val="3550827574"/>
+        <p14:creationId xmlns:p14="http://schemas.microsoft.com/office/powerpoint/2010/main" val="3695327796"/>
       </p:ext>
     </p:extLst>
   </p:cSld>
@@ -953,7 +953,7 @@
           <p:cNvPr id="2" name="标题 1">
             <a:extLst>
               <a:ext uri="{FF2B5EF4-FFF2-40B4-BE49-F238E27FC236}">
-                <a16:creationId xmlns:a16="http://schemas.microsoft.com/office/drawing/2014/main" id="{D43D50DF-AFDF-3FF9-E3D4-C3E390787D1F}"/>
+                <a16:creationId xmlns:a16="http://schemas.microsoft.com/office/drawing/2014/main" id="{2EAE535D-76BD-880F-4BE3-77888B37D390}"/>
               </a:ext>
             </a:extLst>
           </p:cNvPr>
@@ -990,7 +990,7 @@
           <p:cNvPr id="3" name="文本占位符 2">
             <a:extLst>
               <a:ext uri="{FF2B5EF4-FFF2-40B4-BE49-F238E27FC236}">
-                <a16:creationId xmlns:a16="http://schemas.microsoft.com/office/drawing/2014/main" id="{CEC93FE3-4B78-2997-8751-29DC93A3E0FB}"/>
+                <a16:creationId xmlns:a16="http://schemas.microsoft.com/office/drawing/2014/main" id="{777674DF-1EC4-3F72-CC4B-706EA494AE20}"/>
               </a:ext>
             </a:extLst>
           </p:cNvPr>
@@ -1115,7 +1115,7 @@
           <p:cNvPr id="4" name="日期占位符 3">
             <a:extLst>
               <a:ext uri="{FF2B5EF4-FFF2-40B4-BE49-F238E27FC236}">
-                <a16:creationId xmlns:a16="http://schemas.microsoft.com/office/drawing/2014/main" id="{3D6255C2-5C12-F1F0-645F-833BEAE9CBA7}"/>
+                <a16:creationId xmlns:a16="http://schemas.microsoft.com/office/drawing/2014/main" id="{B38D174A-2882-182F-F821-567B14164B1D}"/>
               </a:ext>
             </a:extLst>
           </p:cNvPr>
@@ -1131,7 +1131,7 @@
           <a:bodyPr/>
           <a:lstStyle/>
           <a:p>
-            <a:fld id="{A15FC5C5-2069-4726-8294-0C7F9F6E34C1}" type="datetimeFigureOut">
+            <a:fld id="{17F7F544-B2F9-454D-9F91-4138380B2364}" type="datetimeFigureOut">
               <a:rPr lang="zh-CN" altLang="en-US" smtClean="0"/>
               <a:t>2024/3/10</a:t>
             </a:fld>
@@ -1144,7 +1144,7 @@
           <p:cNvPr id="5" name="页脚占位符 4">
             <a:extLst>
               <a:ext uri="{FF2B5EF4-FFF2-40B4-BE49-F238E27FC236}">
-                <a16:creationId xmlns:a16="http://schemas.microsoft.com/office/drawing/2014/main" id="{0928D55D-00FB-CD40-178D-7962FEFD4474}"/>
+                <a16:creationId xmlns:a16="http://schemas.microsoft.com/office/drawing/2014/main" id="{891643EC-22F0-301D-5426-6BAA2B1A58BD}"/>
               </a:ext>
             </a:extLst>
           </p:cNvPr>
@@ -1169,7 +1169,7 @@
           <p:cNvPr id="6" name="灯片编号占位符 5">
             <a:extLst>
               <a:ext uri="{FF2B5EF4-FFF2-40B4-BE49-F238E27FC236}">
-                <a16:creationId xmlns:a16="http://schemas.microsoft.com/office/drawing/2014/main" id="{AA313C35-210F-385D-7DED-485073076530}"/>
+                <a16:creationId xmlns:a16="http://schemas.microsoft.com/office/drawing/2014/main" id="{10EC95E8-A21F-23D6-CFF2-52A4CF2E5B75}"/>
               </a:ext>
             </a:extLst>
           </p:cNvPr>
@@ -1185,7 +1185,7 @@
           <a:bodyPr/>
           <a:lstStyle/>
           <a:p>
-            <a:fld id="{65039062-9C08-4313-B9C2-8D4A10B50DF6}" type="slidenum">
+            <a:fld id="{17470AF1-49C2-404E-8614-7E1D2A2AE10C}" type="slidenum">
               <a:rPr lang="zh-CN" altLang="en-US" smtClean="0"/>
               <a:t>‹#›</a:t>
             </a:fld>
@@ -1196,7 +1196,7 @@
     </p:spTree>
     <p:extLst>
       <p:ext uri="{BB962C8B-B14F-4D97-AF65-F5344CB8AC3E}">
-        <p14:creationId xmlns:p14="http://schemas.microsoft.com/office/powerpoint/2010/main" val="3543510131"/>
+        <p14:creationId xmlns:p14="http://schemas.microsoft.com/office/powerpoint/2010/main" val="1602780908"/>
       </p:ext>
     </p:extLst>
   </p:cSld>
@@ -1228,7 +1228,7 @@
           <p:cNvPr id="2" name="标题 1">
             <a:extLst>
               <a:ext uri="{FF2B5EF4-FFF2-40B4-BE49-F238E27FC236}">
-                <a16:creationId xmlns:a16="http://schemas.microsoft.com/office/drawing/2014/main" id="{34EB38B6-18B4-9043-565A-80D501828E2B}"/>
+                <a16:creationId xmlns:a16="http://schemas.microsoft.com/office/drawing/2014/main" id="{B19C989A-229E-B044-12C2-18A866EF3EF0}"/>
               </a:ext>
             </a:extLst>
           </p:cNvPr>
@@ -1256,7 +1256,7 @@
           <p:cNvPr id="3" name="内容占位符 2">
             <a:extLst>
               <a:ext uri="{FF2B5EF4-FFF2-40B4-BE49-F238E27FC236}">
-                <a16:creationId xmlns:a16="http://schemas.microsoft.com/office/drawing/2014/main" id="{7E36B196-B1EB-ACD2-C1DD-1A85516CC917}"/>
+                <a16:creationId xmlns:a16="http://schemas.microsoft.com/office/drawing/2014/main" id="{3E44C1B4-865B-AA33-6435-924A66627FDF}"/>
               </a:ext>
             </a:extLst>
           </p:cNvPr>
@@ -1318,7 +1318,7 @@
           <p:cNvPr id="4" name="内容占位符 3">
             <a:extLst>
               <a:ext uri="{FF2B5EF4-FFF2-40B4-BE49-F238E27FC236}">
-                <a16:creationId xmlns:a16="http://schemas.microsoft.com/office/drawing/2014/main" id="{D9B96C2E-978D-1A3B-09EA-465DEE4E5681}"/>
+                <a16:creationId xmlns:a16="http://schemas.microsoft.com/office/drawing/2014/main" id="{7AF5974D-A330-ABA8-A3E3-9F2FDE3F05DE}"/>
               </a:ext>
             </a:extLst>
           </p:cNvPr>
@@ -1380,7 +1380,7 @@
           <p:cNvPr id="5" name="日期占位符 4">
             <a:extLst>
               <a:ext uri="{FF2B5EF4-FFF2-40B4-BE49-F238E27FC236}">
-                <a16:creationId xmlns:a16="http://schemas.microsoft.com/office/drawing/2014/main" id="{A79AF686-9DCC-39B5-4C0C-553221CABDFD}"/>
+                <a16:creationId xmlns:a16="http://schemas.microsoft.com/office/drawing/2014/main" id="{F28338FA-3B20-80A9-0BE2-4AB620657D1B}"/>
               </a:ext>
             </a:extLst>
           </p:cNvPr>
@@ -1396,7 +1396,7 @@
           <a:bodyPr/>
           <a:lstStyle/>
           <a:p>
-            <a:fld id="{A15FC5C5-2069-4726-8294-0C7F9F6E34C1}" type="datetimeFigureOut">
+            <a:fld id="{17F7F544-B2F9-454D-9F91-4138380B2364}" type="datetimeFigureOut">
               <a:rPr lang="zh-CN" altLang="en-US" smtClean="0"/>
               <a:t>2024/3/10</a:t>
             </a:fld>
@@ -1409,7 +1409,7 @@
           <p:cNvPr id="6" name="页脚占位符 5">
             <a:extLst>
               <a:ext uri="{FF2B5EF4-FFF2-40B4-BE49-F238E27FC236}">
-                <a16:creationId xmlns:a16="http://schemas.microsoft.com/office/drawing/2014/main" id="{FA40518D-98A6-C8A6-7CD6-63BE0D9521FD}"/>
+                <a16:creationId xmlns:a16="http://schemas.microsoft.com/office/drawing/2014/main" id="{32DCA8E5-DDA0-CD59-36FD-352DC4B25FD9}"/>
               </a:ext>
             </a:extLst>
           </p:cNvPr>
@@ -1434,7 +1434,7 @@
           <p:cNvPr id="7" name="灯片编号占位符 6">
             <a:extLst>
               <a:ext uri="{FF2B5EF4-FFF2-40B4-BE49-F238E27FC236}">
-                <a16:creationId xmlns:a16="http://schemas.microsoft.com/office/drawing/2014/main" id="{65AC0C49-95F0-6899-5276-CF6AB28402C9}"/>
+                <a16:creationId xmlns:a16="http://schemas.microsoft.com/office/drawing/2014/main" id="{009287C6-248B-AE20-2BBB-68C65A8113D4}"/>
               </a:ext>
             </a:extLst>
           </p:cNvPr>
@@ -1450,7 +1450,7 @@
           <a:bodyPr/>
           <a:lstStyle/>
           <a:p>
-            <a:fld id="{65039062-9C08-4313-B9C2-8D4A10B50DF6}" type="slidenum">
+            <a:fld id="{17470AF1-49C2-404E-8614-7E1D2A2AE10C}" type="slidenum">
               <a:rPr lang="zh-CN" altLang="en-US" smtClean="0"/>
               <a:t>‹#›</a:t>
             </a:fld>
@@ -1461,7 +1461,7 @@
     </p:spTree>
     <p:extLst>
       <p:ext uri="{BB962C8B-B14F-4D97-AF65-F5344CB8AC3E}">
-        <p14:creationId xmlns:p14="http://schemas.microsoft.com/office/powerpoint/2010/main" val="1851769768"/>
+        <p14:creationId xmlns:p14="http://schemas.microsoft.com/office/powerpoint/2010/main" val="1339118396"/>
       </p:ext>
     </p:extLst>
   </p:cSld>
@@ -1493,7 +1493,7 @@
           <p:cNvPr id="2" name="标题 1">
             <a:extLst>
               <a:ext uri="{FF2B5EF4-FFF2-40B4-BE49-F238E27FC236}">
-                <a16:creationId xmlns:a16="http://schemas.microsoft.com/office/drawing/2014/main" id="{FE23229D-26AB-E50F-77C0-8AB02EC0251B}"/>
+                <a16:creationId xmlns:a16="http://schemas.microsoft.com/office/drawing/2014/main" id="{99F94242-1DB3-1F8C-F97F-763FB2205676}"/>
               </a:ext>
             </a:extLst>
           </p:cNvPr>
@@ -1526,7 +1526,7 @@
           <p:cNvPr id="3" name="文本占位符 2">
             <a:extLst>
               <a:ext uri="{FF2B5EF4-FFF2-40B4-BE49-F238E27FC236}">
-                <a16:creationId xmlns:a16="http://schemas.microsoft.com/office/drawing/2014/main" id="{F4AE98D0-B852-8FA0-6703-48DD5555BB40}"/>
+                <a16:creationId xmlns:a16="http://schemas.microsoft.com/office/drawing/2014/main" id="{C42D5F36-6044-FB3B-AC46-14432A07B5B8}"/>
               </a:ext>
             </a:extLst>
           </p:cNvPr>
@@ -1597,7 +1597,7 @@
           <p:cNvPr id="4" name="内容占位符 3">
             <a:extLst>
               <a:ext uri="{FF2B5EF4-FFF2-40B4-BE49-F238E27FC236}">
-                <a16:creationId xmlns:a16="http://schemas.microsoft.com/office/drawing/2014/main" id="{50C521CE-BC58-2734-75D1-92F0A86D6FAF}"/>
+                <a16:creationId xmlns:a16="http://schemas.microsoft.com/office/drawing/2014/main" id="{D08B1FE8-FD02-F7E1-8EA2-3C2E8B8E1E3D}"/>
               </a:ext>
             </a:extLst>
           </p:cNvPr>
@@ -1659,7 +1659,7 @@
           <p:cNvPr id="5" name="文本占位符 4">
             <a:extLst>
               <a:ext uri="{FF2B5EF4-FFF2-40B4-BE49-F238E27FC236}">
-                <a16:creationId xmlns:a16="http://schemas.microsoft.com/office/drawing/2014/main" id="{BADAEE6B-CA26-67B6-EA73-BFBC7037BE77}"/>
+                <a16:creationId xmlns:a16="http://schemas.microsoft.com/office/drawing/2014/main" id="{E84ACC2B-7B64-56D5-7F20-3ECAD0FC9D51}"/>
               </a:ext>
             </a:extLst>
           </p:cNvPr>
@@ -1730,7 +1730,7 @@
           <p:cNvPr id="6" name="内容占位符 5">
             <a:extLst>
               <a:ext uri="{FF2B5EF4-FFF2-40B4-BE49-F238E27FC236}">
-                <a16:creationId xmlns:a16="http://schemas.microsoft.com/office/drawing/2014/main" id="{F76CE6E8-21F9-2740-1C6B-F21D859BEE3D}"/>
+                <a16:creationId xmlns:a16="http://schemas.microsoft.com/office/drawing/2014/main" id="{810CA516-6B9E-7CC3-C28D-C80BD3363432}"/>
               </a:ext>
             </a:extLst>
           </p:cNvPr>
@@ -1792,7 +1792,7 @@
           <p:cNvPr id="7" name="日期占位符 6">
             <a:extLst>
               <a:ext uri="{FF2B5EF4-FFF2-40B4-BE49-F238E27FC236}">
-                <a16:creationId xmlns:a16="http://schemas.microsoft.com/office/drawing/2014/main" id="{ABE2DC19-1E7D-8FB9-63E4-627DADFD03BA}"/>
+                <a16:creationId xmlns:a16="http://schemas.microsoft.com/office/drawing/2014/main" id="{5DAEEDE1-B20E-05BE-DCF8-D27C84D2287C}"/>
               </a:ext>
             </a:extLst>
           </p:cNvPr>
@@ -1808,7 +1808,7 @@
           <a:bodyPr/>
           <a:lstStyle/>
           <a:p>
-            <a:fld id="{A15FC5C5-2069-4726-8294-0C7F9F6E34C1}" type="datetimeFigureOut">
+            <a:fld id="{17F7F544-B2F9-454D-9F91-4138380B2364}" type="datetimeFigureOut">
               <a:rPr lang="zh-CN" altLang="en-US" smtClean="0"/>
               <a:t>2024/3/10</a:t>
             </a:fld>
@@ -1821,7 +1821,7 @@
           <p:cNvPr id="8" name="页脚占位符 7">
             <a:extLst>
               <a:ext uri="{FF2B5EF4-FFF2-40B4-BE49-F238E27FC236}">
-                <a16:creationId xmlns:a16="http://schemas.microsoft.com/office/drawing/2014/main" id="{F3C7AFF2-CC71-79AB-8D10-BC88DE5BE0D7}"/>
+                <a16:creationId xmlns:a16="http://schemas.microsoft.com/office/drawing/2014/main" id="{D77C7C9A-2254-563F-918E-BE50497E1119}"/>
               </a:ext>
             </a:extLst>
           </p:cNvPr>
@@ -1846,7 +1846,7 @@
           <p:cNvPr id="9" name="灯片编号占位符 8">
             <a:extLst>
               <a:ext uri="{FF2B5EF4-FFF2-40B4-BE49-F238E27FC236}">
-                <a16:creationId xmlns:a16="http://schemas.microsoft.com/office/drawing/2014/main" id="{130040DB-D7EE-1251-2A3F-7A14DF40CC09}"/>
+                <a16:creationId xmlns:a16="http://schemas.microsoft.com/office/drawing/2014/main" id="{C136F82A-68E7-47A8-D398-B37EE7718091}"/>
               </a:ext>
             </a:extLst>
           </p:cNvPr>
@@ -1862,7 +1862,7 @@
           <a:bodyPr/>
           <a:lstStyle/>
           <a:p>
-            <a:fld id="{65039062-9C08-4313-B9C2-8D4A10B50DF6}" type="slidenum">
+            <a:fld id="{17470AF1-49C2-404E-8614-7E1D2A2AE10C}" type="slidenum">
               <a:rPr lang="zh-CN" altLang="en-US" smtClean="0"/>
               <a:t>‹#›</a:t>
             </a:fld>
@@ -1873,7 +1873,7 @@
     </p:spTree>
     <p:extLst>
       <p:ext uri="{BB962C8B-B14F-4D97-AF65-F5344CB8AC3E}">
-        <p14:creationId xmlns:p14="http://schemas.microsoft.com/office/powerpoint/2010/main" val="2016590377"/>
+        <p14:creationId xmlns:p14="http://schemas.microsoft.com/office/powerpoint/2010/main" val="3518617732"/>
       </p:ext>
     </p:extLst>
   </p:cSld>
@@ -1905,7 +1905,7 @@
           <p:cNvPr id="2" name="标题 1">
             <a:extLst>
               <a:ext uri="{FF2B5EF4-FFF2-40B4-BE49-F238E27FC236}">
-                <a16:creationId xmlns:a16="http://schemas.microsoft.com/office/drawing/2014/main" id="{69F7CB16-AAC1-AA5A-F3DB-78D95A301EBD}"/>
+                <a16:creationId xmlns:a16="http://schemas.microsoft.com/office/drawing/2014/main" id="{C57C865D-F2C9-ADCB-F6F4-5F4B3AF0E969}"/>
               </a:ext>
             </a:extLst>
           </p:cNvPr>
@@ -1933,7 +1933,7 @@
           <p:cNvPr id="3" name="日期占位符 2">
             <a:extLst>
               <a:ext uri="{FF2B5EF4-FFF2-40B4-BE49-F238E27FC236}">
-                <a16:creationId xmlns:a16="http://schemas.microsoft.com/office/drawing/2014/main" id="{0A0A46DF-C380-FD64-39DA-F6D0E23F975A}"/>
+                <a16:creationId xmlns:a16="http://schemas.microsoft.com/office/drawing/2014/main" id="{26F97716-6F3C-F409-96BD-FB4A5D7012E1}"/>
               </a:ext>
             </a:extLst>
           </p:cNvPr>
@@ -1949,7 +1949,7 @@
           <a:bodyPr/>
           <a:lstStyle/>
           <a:p>
-            <a:fld id="{A15FC5C5-2069-4726-8294-0C7F9F6E34C1}" type="datetimeFigureOut">
+            <a:fld id="{17F7F544-B2F9-454D-9F91-4138380B2364}" type="datetimeFigureOut">
               <a:rPr lang="zh-CN" altLang="en-US" smtClean="0"/>
               <a:t>2024/3/10</a:t>
             </a:fld>
@@ -1962,7 +1962,7 @@
           <p:cNvPr id="4" name="页脚占位符 3">
             <a:extLst>
               <a:ext uri="{FF2B5EF4-FFF2-40B4-BE49-F238E27FC236}">
-                <a16:creationId xmlns:a16="http://schemas.microsoft.com/office/drawing/2014/main" id="{90853CD5-A5E2-3885-7731-78119644CC0F}"/>
+                <a16:creationId xmlns:a16="http://schemas.microsoft.com/office/drawing/2014/main" id="{F6E52A6E-1E47-8F04-65CF-A9AE25D014C4}"/>
               </a:ext>
             </a:extLst>
           </p:cNvPr>
@@ -1987,7 +1987,7 @@
           <p:cNvPr id="5" name="灯片编号占位符 4">
             <a:extLst>
               <a:ext uri="{FF2B5EF4-FFF2-40B4-BE49-F238E27FC236}">
-                <a16:creationId xmlns:a16="http://schemas.microsoft.com/office/drawing/2014/main" id="{B1A03D09-699F-76D1-1CF4-DA7B2125353B}"/>
+                <a16:creationId xmlns:a16="http://schemas.microsoft.com/office/drawing/2014/main" id="{B9C0D908-294B-A169-72A5-D060E4787A5F}"/>
               </a:ext>
             </a:extLst>
           </p:cNvPr>
@@ -2003,7 +2003,7 @@
           <a:bodyPr/>
           <a:lstStyle/>
           <a:p>
-            <a:fld id="{65039062-9C08-4313-B9C2-8D4A10B50DF6}" type="slidenum">
+            <a:fld id="{17470AF1-49C2-404E-8614-7E1D2A2AE10C}" type="slidenum">
               <a:rPr lang="zh-CN" altLang="en-US" smtClean="0"/>
               <a:t>‹#›</a:t>
             </a:fld>
@@ -2014,7 +2014,7 @@
     </p:spTree>
     <p:extLst>
       <p:ext uri="{BB962C8B-B14F-4D97-AF65-F5344CB8AC3E}">
-        <p14:creationId xmlns:p14="http://schemas.microsoft.com/office/powerpoint/2010/main" val="884655179"/>
+        <p14:creationId xmlns:p14="http://schemas.microsoft.com/office/powerpoint/2010/main" val="1835240922"/>
       </p:ext>
     </p:extLst>
   </p:cSld>
@@ -2046,7 +2046,7 @@
           <p:cNvPr id="2" name="日期占位符 1">
             <a:extLst>
               <a:ext uri="{FF2B5EF4-FFF2-40B4-BE49-F238E27FC236}">
-                <a16:creationId xmlns:a16="http://schemas.microsoft.com/office/drawing/2014/main" id="{0D4E833B-F853-B1CB-1CF4-39731FB5A4F4}"/>
+                <a16:creationId xmlns:a16="http://schemas.microsoft.com/office/drawing/2014/main" id="{1D712AD2-C5B4-7B56-8671-4CD9AC141B8E}"/>
               </a:ext>
             </a:extLst>
           </p:cNvPr>
@@ -2062,7 +2062,7 @@
           <a:bodyPr/>
           <a:lstStyle/>
           <a:p>
-            <a:fld id="{A15FC5C5-2069-4726-8294-0C7F9F6E34C1}" type="datetimeFigureOut">
+            <a:fld id="{17F7F544-B2F9-454D-9F91-4138380B2364}" type="datetimeFigureOut">
               <a:rPr lang="zh-CN" altLang="en-US" smtClean="0"/>
               <a:t>2024/3/10</a:t>
             </a:fld>
@@ -2075,7 +2075,7 @@
           <p:cNvPr id="3" name="页脚占位符 2">
             <a:extLst>
               <a:ext uri="{FF2B5EF4-FFF2-40B4-BE49-F238E27FC236}">
-                <a16:creationId xmlns:a16="http://schemas.microsoft.com/office/drawing/2014/main" id="{B6324068-E548-04FB-E78C-7065243841CB}"/>
+                <a16:creationId xmlns:a16="http://schemas.microsoft.com/office/drawing/2014/main" id="{F6283B2B-82B1-894B-D7DE-5BD42532AE53}"/>
               </a:ext>
             </a:extLst>
           </p:cNvPr>
@@ -2100,7 +2100,7 @@
           <p:cNvPr id="4" name="灯片编号占位符 3">
             <a:extLst>
               <a:ext uri="{FF2B5EF4-FFF2-40B4-BE49-F238E27FC236}">
-                <a16:creationId xmlns:a16="http://schemas.microsoft.com/office/drawing/2014/main" id="{76709C87-4AD9-53B9-4B85-61A404CC2E34}"/>
+                <a16:creationId xmlns:a16="http://schemas.microsoft.com/office/drawing/2014/main" id="{A5063D50-BD47-75DA-475F-C4CBE6F46D15}"/>
               </a:ext>
             </a:extLst>
           </p:cNvPr>
@@ -2116,7 +2116,7 @@
           <a:bodyPr/>
           <a:lstStyle/>
           <a:p>
-            <a:fld id="{65039062-9C08-4313-B9C2-8D4A10B50DF6}" type="slidenum">
+            <a:fld id="{17470AF1-49C2-404E-8614-7E1D2A2AE10C}" type="slidenum">
               <a:rPr lang="zh-CN" altLang="en-US" smtClean="0"/>
               <a:t>‹#›</a:t>
             </a:fld>
@@ -2127,7 +2127,7 @@
     </p:spTree>
     <p:extLst>
       <p:ext uri="{BB962C8B-B14F-4D97-AF65-F5344CB8AC3E}">
-        <p14:creationId xmlns:p14="http://schemas.microsoft.com/office/powerpoint/2010/main" val="2404091980"/>
+        <p14:creationId xmlns:p14="http://schemas.microsoft.com/office/powerpoint/2010/main" val="652012147"/>
       </p:ext>
     </p:extLst>
   </p:cSld>
@@ -2159,7 +2159,7 @@
           <p:cNvPr id="2" name="标题 1">
             <a:extLst>
               <a:ext uri="{FF2B5EF4-FFF2-40B4-BE49-F238E27FC236}">
-                <a16:creationId xmlns:a16="http://schemas.microsoft.com/office/drawing/2014/main" id="{2418318F-5E02-6A70-6805-02B4C1E7FF71}"/>
+                <a16:creationId xmlns:a16="http://schemas.microsoft.com/office/drawing/2014/main" id="{90B7AAED-E4AD-025D-AAF0-87BC1F6C9D14}"/>
               </a:ext>
             </a:extLst>
           </p:cNvPr>
@@ -2196,7 +2196,7 @@
           <p:cNvPr id="3" name="内容占位符 2">
             <a:extLst>
               <a:ext uri="{FF2B5EF4-FFF2-40B4-BE49-F238E27FC236}">
-                <a16:creationId xmlns:a16="http://schemas.microsoft.com/office/drawing/2014/main" id="{AC37E50D-F980-C958-D6BD-18566E783E05}"/>
+                <a16:creationId xmlns:a16="http://schemas.microsoft.com/office/drawing/2014/main" id="{59CA14D5-6F75-E4D4-4AF7-4B0CEE2209C5}"/>
               </a:ext>
             </a:extLst>
           </p:cNvPr>
@@ -2286,7 +2286,7 @@
           <p:cNvPr id="4" name="文本占位符 3">
             <a:extLst>
               <a:ext uri="{FF2B5EF4-FFF2-40B4-BE49-F238E27FC236}">
-                <a16:creationId xmlns:a16="http://schemas.microsoft.com/office/drawing/2014/main" id="{D78DB246-FB18-45AA-71DC-C9D5545783CA}"/>
+                <a16:creationId xmlns:a16="http://schemas.microsoft.com/office/drawing/2014/main" id="{D88DAD8D-B9AE-0255-1135-858110176FF4}"/>
               </a:ext>
             </a:extLst>
           </p:cNvPr>
@@ -2357,7 +2357,7 @@
           <p:cNvPr id="5" name="日期占位符 4">
             <a:extLst>
               <a:ext uri="{FF2B5EF4-FFF2-40B4-BE49-F238E27FC236}">
-                <a16:creationId xmlns:a16="http://schemas.microsoft.com/office/drawing/2014/main" id="{DEC09646-F7BA-0301-7813-2F2D5E1EE5B9}"/>
+                <a16:creationId xmlns:a16="http://schemas.microsoft.com/office/drawing/2014/main" id="{99DE08A2-8A4A-20CD-6690-DE91FD60F430}"/>
               </a:ext>
             </a:extLst>
           </p:cNvPr>
@@ -2373,7 +2373,7 @@
           <a:bodyPr/>
           <a:lstStyle/>
           <a:p>
-            <a:fld id="{A15FC5C5-2069-4726-8294-0C7F9F6E34C1}" type="datetimeFigureOut">
+            <a:fld id="{17F7F544-B2F9-454D-9F91-4138380B2364}" type="datetimeFigureOut">
               <a:rPr lang="zh-CN" altLang="en-US" smtClean="0"/>
               <a:t>2024/3/10</a:t>
             </a:fld>
@@ -2386,7 +2386,7 @@
           <p:cNvPr id="6" name="页脚占位符 5">
             <a:extLst>
               <a:ext uri="{FF2B5EF4-FFF2-40B4-BE49-F238E27FC236}">
-                <a16:creationId xmlns:a16="http://schemas.microsoft.com/office/drawing/2014/main" id="{198147ED-AFEC-0E80-2DB6-BBF6BA439BB2}"/>
+                <a16:creationId xmlns:a16="http://schemas.microsoft.com/office/drawing/2014/main" id="{174A30D4-5D8E-E567-83E2-530BE90CF6E5}"/>
               </a:ext>
             </a:extLst>
           </p:cNvPr>
@@ -2411,7 +2411,7 @@
           <p:cNvPr id="7" name="灯片编号占位符 6">
             <a:extLst>
               <a:ext uri="{FF2B5EF4-FFF2-40B4-BE49-F238E27FC236}">
-                <a16:creationId xmlns:a16="http://schemas.microsoft.com/office/drawing/2014/main" id="{68A59716-36EA-1708-2ECE-DE63FADFD9DC}"/>
+                <a16:creationId xmlns:a16="http://schemas.microsoft.com/office/drawing/2014/main" id="{26E4C468-0215-07C9-A53A-C229AB390DA3}"/>
               </a:ext>
             </a:extLst>
           </p:cNvPr>
@@ -2427,7 +2427,7 @@
           <a:bodyPr/>
           <a:lstStyle/>
           <a:p>
-            <a:fld id="{65039062-9C08-4313-B9C2-8D4A10B50DF6}" type="slidenum">
+            <a:fld id="{17470AF1-49C2-404E-8614-7E1D2A2AE10C}" type="slidenum">
               <a:rPr lang="zh-CN" altLang="en-US" smtClean="0"/>
               <a:t>‹#›</a:t>
             </a:fld>
@@ -2438,7 +2438,7 @@
     </p:spTree>
     <p:extLst>
       <p:ext uri="{BB962C8B-B14F-4D97-AF65-F5344CB8AC3E}">
-        <p14:creationId xmlns:p14="http://schemas.microsoft.com/office/powerpoint/2010/main" val="2146277682"/>
+        <p14:creationId xmlns:p14="http://schemas.microsoft.com/office/powerpoint/2010/main" val="3874116542"/>
       </p:ext>
     </p:extLst>
   </p:cSld>
@@ -2470,7 +2470,7 @@
           <p:cNvPr id="2" name="标题 1">
             <a:extLst>
               <a:ext uri="{FF2B5EF4-FFF2-40B4-BE49-F238E27FC236}">
-                <a16:creationId xmlns:a16="http://schemas.microsoft.com/office/drawing/2014/main" id="{3C39BF6C-D11B-44E3-1E9D-A5F6B2CE737F}"/>
+                <a16:creationId xmlns:a16="http://schemas.microsoft.com/office/drawing/2014/main" id="{8A9999A9-2574-8B81-CA86-EF2B6BD9C28D}"/>
               </a:ext>
             </a:extLst>
           </p:cNvPr>
@@ -2507,7 +2507,7 @@
           <p:cNvPr id="3" name="图片占位符 2">
             <a:extLst>
               <a:ext uri="{FF2B5EF4-FFF2-40B4-BE49-F238E27FC236}">
-                <a16:creationId xmlns:a16="http://schemas.microsoft.com/office/drawing/2014/main" id="{6E1B57C7-1017-C03C-A93F-DCF53155D1DB}"/>
+                <a16:creationId xmlns:a16="http://schemas.microsoft.com/office/drawing/2014/main" id="{90A6C191-F3E9-1DDE-A2DA-21703DB860D8}"/>
               </a:ext>
             </a:extLst>
           </p:cNvPr>
@@ -2574,7 +2574,7 @@
           <p:cNvPr id="4" name="文本占位符 3">
             <a:extLst>
               <a:ext uri="{FF2B5EF4-FFF2-40B4-BE49-F238E27FC236}">
-                <a16:creationId xmlns:a16="http://schemas.microsoft.com/office/drawing/2014/main" id="{A5783873-D3C5-3CBE-9AC2-11EEE0736CF6}"/>
+                <a16:creationId xmlns:a16="http://schemas.microsoft.com/office/drawing/2014/main" id="{ECFE4297-A2D1-5F1C-23D8-F57CC8BC1CB9}"/>
               </a:ext>
             </a:extLst>
           </p:cNvPr>
@@ -2645,7 +2645,7 @@
           <p:cNvPr id="5" name="日期占位符 4">
             <a:extLst>
               <a:ext uri="{FF2B5EF4-FFF2-40B4-BE49-F238E27FC236}">
-                <a16:creationId xmlns:a16="http://schemas.microsoft.com/office/drawing/2014/main" id="{53406442-8AAA-1814-151A-8EC5B1459FA1}"/>
+                <a16:creationId xmlns:a16="http://schemas.microsoft.com/office/drawing/2014/main" id="{9EDC97AA-482F-C39D-81B6-776620D7F27B}"/>
               </a:ext>
             </a:extLst>
           </p:cNvPr>
@@ -2661,7 +2661,7 @@
           <a:bodyPr/>
           <a:lstStyle/>
           <a:p>
-            <a:fld id="{A15FC5C5-2069-4726-8294-0C7F9F6E34C1}" type="datetimeFigureOut">
+            <a:fld id="{17F7F544-B2F9-454D-9F91-4138380B2364}" type="datetimeFigureOut">
               <a:rPr lang="zh-CN" altLang="en-US" smtClean="0"/>
               <a:t>2024/3/10</a:t>
             </a:fld>
@@ -2674,7 +2674,7 @@
           <p:cNvPr id="6" name="页脚占位符 5">
             <a:extLst>
               <a:ext uri="{FF2B5EF4-FFF2-40B4-BE49-F238E27FC236}">
-                <a16:creationId xmlns:a16="http://schemas.microsoft.com/office/drawing/2014/main" id="{AD03B06C-DCFE-938D-4363-ED576A1D156B}"/>
+                <a16:creationId xmlns:a16="http://schemas.microsoft.com/office/drawing/2014/main" id="{2852B567-BB32-1689-0208-B41A108EB499}"/>
               </a:ext>
             </a:extLst>
           </p:cNvPr>
@@ -2699,7 +2699,7 @@
           <p:cNvPr id="7" name="灯片编号占位符 6">
             <a:extLst>
               <a:ext uri="{FF2B5EF4-FFF2-40B4-BE49-F238E27FC236}">
-                <a16:creationId xmlns:a16="http://schemas.microsoft.com/office/drawing/2014/main" id="{DE9D7FE8-552A-9B16-F0A4-21F4A570F9C7}"/>
+                <a16:creationId xmlns:a16="http://schemas.microsoft.com/office/drawing/2014/main" id="{C1D6D4CC-FB6B-0866-7FE7-E12A902D8441}"/>
               </a:ext>
             </a:extLst>
           </p:cNvPr>
@@ -2715,7 +2715,7 @@
           <a:bodyPr/>
           <a:lstStyle/>
           <a:p>
-            <a:fld id="{65039062-9C08-4313-B9C2-8D4A10B50DF6}" type="slidenum">
+            <a:fld id="{17470AF1-49C2-404E-8614-7E1D2A2AE10C}" type="slidenum">
               <a:rPr lang="zh-CN" altLang="en-US" smtClean="0"/>
               <a:t>‹#›</a:t>
             </a:fld>
@@ -2726,7 +2726,7 @@
     </p:spTree>
     <p:extLst>
       <p:ext uri="{BB962C8B-B14F-4D97-AF65-F5344CB8AC3E}">
-        <p14:creationId xmlns:p14="http://schemas.microsoft.com/office/powerpoint/2010/main" val="2150360150"/>
+        <p14:creationId xmlns:p14="http://schemas.microsoft.com/office/powerpoint/2010/main" val="11203421"/>
       </p:ext>
     </p:extLst>
   </p:cSld>
@@ -2763,7 +2763,7 @@
           <p:cNvPr id="2" name="标题占位符 1">
             <a:extLst>
               <a:ext uri="{FF2B5EF4-FFF2-40B4-BE49-F238E27FC236}">
-                <a16:creationId xmlns:a16="http://schemas.microsoft.com/office/drawing/2014/main" id="{9CD3BA1F-2005-E4F1-BCA0-532C34BDB3D7}"/>
+                <a16:creationId xmlns:a16="http://schemas.microsoft.com/office/drawing/2014/main" id="{581DBAB9-495F-D3A9-7277-CB8312C9C4CA}"/>
               </a:ext>
             </a:extLst>
           </p:cNvPr>
@@ -2801,7 +2801,7 @@
           <p:cNvPr id="3" name="文本占位符 2">
             <a:extLst>
               <a:ext uri="{FF2B5EF4-FFF2-40B4-BE49-F238E27FC236}">
-                <a16:creationId xmlns:a16="http://schemas.microsoft.com/office/drawing/2014/main" id="{2CF69390-C703-DBC9-A713-5EE8B15D5540}"/>
+                <a16:creationId xmlns:a16="http://schemas.microsoft.com/office/drawing/2014/main" id="{3BCF1704-EE59-2140-5143-29C8AA779535}"/>
               </a:ext>
             </a:extLst>
           </p:cNvPr>
@@ -2868,7 +2868,7 @@
           <p:cNvPr id="4" name="日期占位符 3">
             <a:extLst>
               <a:ext uri="{FF2B5EF4-FFF2-40B4-BE49-F238E27FC236}">
-                <a16:creationId xmlns:a16="http://schemas.microsoft.com/office/drawing/2014/main" id="{A06987C0-F685-80CD-B263-C6904754C160}"/>
+                <a16:creationId xmlns:a16="http://schemas.microsoft.com/office/drawing/2014/main" id="{0F7C38A4-A29C-6CB2-856D-FAF4CD4F23A8}"/>
               </a:ext>
             </a:extLst>
           </p:cNvPr>
@@ -2902,7 +2902,7 @@
             </a:lvl1pPr>
           </a:lstStyle>
           <a:p>
-            <a:fld id="{A15FC5C5-2069-4726-8294-0C7F9F6E34C1}" type="datetimeFigureOut">
+            <a:fld id="{17F7F544-B2F9-454D-9F91-4138380B2364}" type="datetimeFigureOut">
               <a:rPr lang="zh-CN" altLang="en-US" smtClean="0"/>
               <a:t>2024/3/10</a:t>
             </a:fld>
@@ -2915,7 +2915,7 @@
           <p:cNvPr id="5" name="页脚占位符 4">
             <a:extLst>
               <a:ext uri="{FF2B5EF4-FFF2-40B4-BE49-F238E27FC236}">
-                <a16:creationId xmlns:a16="http://schemas.microsoft.com/office/drawing/2014/main" id="{C87266F5-8532-8A24-C29A-5B0743FD87DE}"/>
+                <a16:creationId xmlns:a16="http://schemas.microsoft.com/office/drawing/2014/main" id="{92753109-8E5C-E20C-7B0B-6B95E000054B}"/>
               </a:ext>
             </a:extLst>
           </p:cNvPr>
@@ -2958,7 +2958,7 @@
           <p:cNvPr id="6" name="灯片编号占位符 5">
             <a:extLst>
               <a:ext uri="{FF2B5EF4-FFF2-40B4-BE49-F238E27FC236}">
-                <a16:creationId xmlns:a16="http://schemas.microsoft.com/office/drawing/2014/main" id="{B355B5B5-6828-B3E9-9307-3F1F7848672E}"/>
+                <a16:creationId xmlns:a16="http://schemas.microsoft.com/office/drawing/2014/main" id="{F28255D3-3A54-C975-4F13-F0FC3B6539F5}"/>
               </a:ext>
             </a:extLst>
           </p:cNvPr>
@@ -2992,7 +2992,7 @@
             </a:lvl1pPr>
           </a:lstStyle>
           <a:p>
-            <a:fld id="{65039062-9C08-4313-B9C2-8D4A10B50DF6}" type="slidenum">
+            <a:fld id="{17470AF1-49C2-404E-8614-7E1D2A2AE10C}" type="slidenum">
               <a:rPr lang="zh-CN" altLang="en-US" smtClean="0"/>
               <a:t>‹#›</a:t>
             </a:fld>
@@ -3003,7 +3003,7 @@
     </p:spTree>
     <p:extLst>
       <p:ext uri="{BB962C8B-B14F-4D97-AF65-F5344CB8AC3E}">
-        <p14:creationId xmlns:p14="http://schemas.microsoft.com/office/powerpoint/2010/main" val="3111081412"/>
+        <p14:creationId xmlns:p14="http://schemas.microsoft.com/office/powerpoint/2010/main" val="4154911775"/>
       </p:ext>
     </p:extLst>
   </p:cSld>
@@ -3323,7 +3323,7 @@
       </p:grpSpPr>
       <p:pic>
         <p:nvPicPr>
-          <p:cNvPr id="425986" name="Picture 2" descr="415"/>
+          <p:cNvPr id="427010" name="Picture 2" descr="416"/>
           <p:cNvPicPr>
             <a:picLocks noChangeAspect="1" noChangeArrowheads="1"/>
           </p:cNvPicPr>
@@ -3345,7 +3345,7 @@
         <p:spPr bwMode="auto">
           <a:xfrm>
             <a:off x="1524000" y="0"/>
-            <a:ext cx="9144000" cy="6859588"/>
+            <a:ext cx="9144000" cy="5949950"/>
           </a:xfrm>
           <a:prstGeom prst="rect">
             <a:avLst/>
